--- a/app/example.pptx
+++ b/app/example.pptx
@@ -120,7 +120,7 @@
 <file path=ppt/revisionInfo.xml><?xml version="1.0" encoding="utf-8"?>
 <p1510:revInfo xmlns:a="http://schemas.openxmlformats.org/drawingml/2006/main" xmlns:r="http://schemas.openxmlformats.org/officeDocument/2006/relationships" xmlns:p1510="http://schemas.microsoft.com/office/powerpoint/2015/10/main">
   <p1510:revLst>
-    <p1510:client id="{DE715873-F39B-43F8-868F-4C6FCB1725AD}" v="1" dt="2023-11-21T03:57:35.698"/>
+    <p1510:client id="{DE715873-F39B-43F8-868F-4C6FCB1725AD}" v="2" dt="2023-11-21T05:32:59.221"/>
     <p1510:client id="{E992C3D9-05D3-48A4-B5CF-68E8BDA5891D}" v="37" dt="2023-11-20T07:27:52.884"/>
   </p1510:revLst>
 </p1510:revInfo>
@@ -199,22 +199,30 @@
   <pc:docChgLst>
     <pc:chgData name="西村　光太郎" userId="0dbf675c-9aa6-4933-9892-9db2f940254e" providerId="ADAL" clId="{DE715873-F39B-43F8-868F-4C6FCB1725AD}"/>
     <pc:docChg chg="modSld">
-      <pc:chgData name="西村　光太郎" userId="0dbf675c-9aa6-4933-9892-9db2f940254e" providerId="ADAL" clId="{DE715873-F39B-43F8-868F-4C6FCB1725AD}" dt="2023-11-21T03:57:47.781" v="48" actId="20577"/>
+      <pc:chgData name="西村　光太郎" userId="0dbf675c-9aa6-4933-9892-9db2f940254e" providerId="ADAL" clId="{DE715873-F39B-43F8-868F-4C6FCB1725AD}" dt="2023-11-21T05:35:13.653" v="56" actId="20577"/>
       <pc:docMkLst>
         <pc:docMk/>
       </pc:docMkLst>
       <pc:sldChg chg="addSp modSp mod">
-        <pc:chgData name="西村　光太郎" userId="0dbf675c-9aa6-4933-9892-9db2f940254e" providerId="ADAL" clId="{DE715873-F39B-43F8-868F-4C6FCB1725AD}" dt="2023-11-21T03:57:47.781" v="48" actId="20577"/>
+        <pc:chgData name="西村　光太郎" userId="0dbf675c-9aa6-4933-9892-9db2f940254e" providerId="ADAL" clId="{DE715873-F39B-43F8-868F-4C6FCB1725AD}" dt="2023-11-21T05:35:13.653" v="56" actId="20577"/>
         <pc:sldMkLst>
           <pc:docMk/>
           <pc:sldMk cId="1018794165" sldId="256"/>
         </pc:sldMkLst>
         <pc:spChg chg="add mod">
-          <ac:chgData name="西村　光太郎" userId="0dbf675c-9aa6-4933-9892-9db2f940254e" providerId="ADAL" clId="{DE715873-F39B-43F8-868F-4C6FCB1725AD}" dt="2023-11-21T03:57:47.781" v="48" actId="20577"/>
+          <ac:chgData name="西村　光太郎" userId="0dbf675c-9aa6-4933-9892-9db2f940254e" providerId="ADAL" clId="{DE715873-F39B-43F8-868F-4C6FCB1725AD}" dt="2023-11-21T05:35:13.653" v="56" actId="20577"/>
           <ac:spMkLst>
             <pc:docMk/>
             <pc:sldMk cId="1018794165" sldId="256"/>
             <ac:spMk id="2" creationId="{F28CBC0C-2596-A183-701E-4F853B4D5BB0}"/>
+          </ac:spMkLst>
+        </pc:spChg>
+        <pc:spChg chg="add mod">
+          <ac:chgData name="西村　光太郎" userId="0dbf675c-9aa6-4933-9892-9db2f940254e" providerId="ADAL" clId="{DE715873-F39B-43F8-868F-4C6FCB1725AD}" dt="2023-11-21T05:34:40.945" v="53" actId="255"/>
+          <ac:spMkLst>
+            <pc:docMk/>
+            <pc:sldMk cId="1018794165" sldId="256"/>
+            <ac:spMk id="3" creationId="{AED43342-056A-E40D-F3B6-4CB78565387B}"/>
           </ac:spMkLst>
         </pc:spChg>
       </pc:sldChg>
@@ -9743,7 +9751,7 @@
         <p:spPr>
           <a:xfrm>
             <a:off x="1947333" y="2497667"/>
-            <a:ext cx="3647152" cy="369332"/>
+            <a:ext cx="3716082" cy="369332"/>
           </a:xfrm>
           <a:prstGeom prst="rect">
             <a:avLst/>
@@ -9758,7 +9766,50 @@
           <a:p>
             <a:r>
               <a:rPr kumimoji="1" lang="ja-JP" altLang="en-US"/>
-              <a:t>これは、一枚目のスライドです。</a:t>
+              <a:t>これは、一枚目のスライドです</a:t>
+            </a:r>
+            <a:r>
+              <a:rPr lang="ja-JP" altLang="en-US"/>
+              <a:t> </a:t>
+            </a:r>
+            <a:r>
+              <a:rPr kumimoji="1" lang="ja-JP" altLang="en-US"/>
+              <a:t>。</a:t>
+            </a:r>
+          </a:p>
+        </p:txBody>
+      </p:sp>
+      <p:sp>
+        <p:nvSpPr>
+          <p:cNvPr id="3" name="テキスト ボックス 2">
+            <a:extLst>
+              <a:ext uri="{FF2B5EF4-FFF2-40B4-BE49-F238E27FC236}">
+                <a16:creationId xmlns:a16="http://schemas.microsoft.com/office/drawing/2014/main" id="{AED43342-056A-E40D-F3B6-4CB78565387B}"/>
+              </a:ext>
+            </a:extLst>
+          </p:cNvPr>
+          <p:cNvSpPr txBox="1"/>
+          <p:nvPr/>
+        </p:nvSpPr>
+        <p:spPr>
+          <a:xfrm>
+            <a:off x="2266121" y="4055164"/>
+            <a:ext cx="2703443" cy="400110"/>
+          </a:xfrm>
+          <a:prstGeom prst="rect">
+            <a:avLst/>
+          </a:prstGeom>
+          <a:noFill/>
+        </p:spPr>
+        <p:txBody>
+          <a:bodyPr wrap="square" rtlCol="0">
+            <a:spAutoFit/>
+          </a:bodyPr>
+          <a:lstStyle/>
+          <a:p>
+            <a:r>
+              <a:rPr kumimoji="1" lang="ja-JP" altLang="en-US" sz="2000" dirty="0"/>
+              <a:t>？</a:t>
             </a:r>
           </a:p>
         </p:txBody>

--- a/app/example.pptx
+++ b/app/example.pptx
@@ -199,18 +199,18 @@
   <pc:docChgLst>
     <pc:chgData name="西村　光太郎" userId="0dbf675c-9aa6-4933-9892-9db2f940254e" providerId="ADAL" clId="{DE715873-F39B-43F8-868F-4C6FCB1725AD}"/>
     <pc:docChg chg="modSld">
-      <pc:chgData name="西村　光太郎" userId="0dbf675c-9aa6-4933-9892-9db2f940254e" providerId="ADAL" clId="{DE715873-F39B-43F8-868F-4C6FCB1725AD}" dt="2023-11-21T05:35:13.653" v="56" actId="20577"/>
+      <pc:chgData name="西村　光太郎" userId="0dbf675c-9aa6-4933-9892-9db2f940254e" providerId="ADAL" clId="{DE715873-F39B-43F8-868F-4C6FCB1725AD}" dt="2023-11-21T06:45:15.483" v="60" actId="14100"/>
       <pc:docMkLst>
         <pc:docMk/>
       </pc:docMkLst>
       <pc:sldChg chg="addSp modSp mod">
-        <pc:chgData name="西村　光太郎" userId="0dbf675c-9aa6-4933-9892-9db2f940254e" providerId="ADAL" clId="{DE715873-F39B-43F8-868F-4C6FCB1725AD}" dt="2023-11-21T05:35:13.653" v="56" actId="20577"/>
+        <pc:chgData name="西村　光太郎" userId="0dbf675c-9aa6-4933-9892-9db2f940254e" providerId="ADAL" clId="{DE715873-F39B-43F8-868F-4C6FCB1725AD}" dt="2023-11-21T06:45:15.483" v="60" actId="14100"/>
         <pc:sldMkLst>
           <pc:docMk/>
           <pc:sldMk cId="1018794165" sldId="256"/>
         </pc:sldMkLst>
         <pc:spChg chg="add mod">
-          <ac:chgData name="西村　光太郎" userId="0dbf675c-9aa6-4933-9892-9db2f940254e" providerId="ADAL" clId="{DE715873-F39B-43F8-868F-4C6FCB1725AD}" dt="2023-11-21T05:35:13.653" v="56" actId="20577"/>
+          <ac:chgData name="西村　光太郎" userId="0dbf675c-9aa6-4933-9892-9db2f940254e" providerId="ADAL" clId="{DE715873-F39B-43F8-868F-4C6FCB1725AD}" dt="2023-11-21T06:45:15.483" v="60" actId="14100"/>
           <ac:spMkLst>
             <pc:docMk/>
             <pc:sldMk cId="1018794165" sldId="256"/>
@@ -9751,7 +9751,7 @@
         <p:spPr>
           <a:xfrm>
             <a:off x="1947333" y="2497667"/>
-            <a:ext cx="3716082" cy="369332"/>
+            <a:ext cx="5347989" cy="646331"/>
           </a:xfrm>
           <a:prstGeom prst="rect">
             <a:avLst/>
@@ -9759,21 +9759,44 @@
           <a:noFill/>
         </p:spPr>
         <p:txBody>
-          <a:bodyPr wrap="none" rtlCol="0">
+          <a:bodyPr wrap="square" rtlCol="0">
             <a:spAutoFit/>
           </a:bodyPr>
           <a:lstStyle/>
           <a:p>
             <a:r>
-              <a:rPr kumimoji="1" lang="ja-JP" altLang="en-US"/>
-              <a:t>これは、一枚目のスライドです</a:t>
-            </a:r>
-            <a:r>
-              <a:rPr lang="ja-JP" altLang="en-US"/>
+              <a:rPr kumimoji="1" lang="ja-JP" altLang="en-US" dirty="0"/>
+              <a:t>これは</a:t>
+            </a:r>
+            <a:r>
+              <a:rPr lang="ja-JP" altLang="en-US" b="0" dirty="0">
+                <a:solidFill>
+                  <a:srgbClr val="CE9178"/>
+                </a:solidFill>
+                <a:effectLst/>
+                <a:latin typeface="Consolas" panose="020B0609020204030204" pitchFamily="49" charset="0"/>
+              </a:rPr>
+              <a:t>、</a:t>
+            </a:r>
+            <a:endParaRPr lang="ja-JP" altLang="en-US" b="0" dirty="0">
+              <a:solidFill>
+                <a:srgbClr val="D4D4D4"/>
+              </a:solidFill>
+              <a:effectLst/>
+              <a:latin typeface="Consolas" panose="020B0609020204030204" pitchFamily="49" charset="0"/>
+            </a:endParaRPr>
+          </a:p>
+          <a:p>
+            <a:r>
+              <a:rPr kumimoji="1" lang="ja-JP" altLang="en-US" dirty="0"/>
+              <a:t>　一枚目のスライドです</a:t>
+            </a:r>
+            <a:r>
+              <a:rPr lang="ja-JP" altLang="en-US" dirty="0"/>
               <a:t> </a:t>
             </a:r>
             <a:r>
-              <a:rPr kumimoji="1" lang="ja-JP" altLang="en-US"/>
+              <a:rPr kumimoji="1" lang="ja-JP" altLang="en-US" dirty="0"/>
               <a:t>。</a:t>
             </a:r>
           </a:p>

--- a/app/example.pptx
+++ b/app/example.pptx
@@ -120,7 +120,7 @@
 <file path=ppt/revisionInfo.xml><?xml version="1.0" encoding="utf-8"?>
 <p1510:revInfo xmlns:a="http://schemas.openxmlformats.org/drawingml/2006/main" xmlns:r="http://schemas.openxmlformats.org/officeDocument/2006/relationships" xmlns:p1510="http://schemas.microsoft.com/office/powerpoint/2015/10/main">
   <p1510:revLst>
-    <p1510:client id="{E992C3D9-05D3-48A4-B5CF-68E8BDA5891D}" v="37" dt="2023-11-20T07:27:52.884"/>
+    <p1510:client id="{E992C3D9-05D3-48A4-B5CF-68E8BDA5891D}" v="38" dt="2023-11-22T04:31:37.304"/>
   </p1510:revLst>
 </p1510:revInfo>
 </file>
@@ -130,16 +130,24 @@
   <pc:docChgLst>
     <pc:chgData name="西村　光太郎" userId="0dbf675c-9aa6-4933-9892-9db2f940254e" providerId="ADAL" clId="{E992C3D9-05D3-48A4-B5CF-68E8BDA5891D}"/>
     <pc:docChg chg="addSld modSld sldOrd">
-      <pc:chgData name="西村　光太郎" userId="0dbf675c-9aa6-4933-9892-9db2f940254e" providerId="ADAL" clId="{E992C3D9-05D3-48A4-B5CF-68E8BDA5891D}" dt="2023-11-22T02:10:45.463" v="80" actId="120"/>
+      <pc:chgData name="西村　光太郎" userId="0dbf675c-9aa6-4933-9892-9db2f940254e" providerId="ADAL" clId="{E992C3D9-05D3-48A4-B5CF-68E8BDA5891D}" dt="2023-11-22T04:31:51.794" v="89" actId="255"/>
       <pc:docMkLst>
         <pc:docMk/>
       </pc:docMkLst>
-      <pc:sldChg chg="new">
-        <pc:chgData name="西村　光太郎" userId="0dbf675c-9aa6-4933-9892-9db2f940254e" providerId="ADAL" clId="{E992C3D9-05D3-48A4-B5CF-68E8BDA5891D}" dt="2023-11-20T01:14:25.643" v="0" actId="680"/>
+      <pc:sldChg chg="addSp modSp new mod">
+        <pc:chgData name="西村　光太郎" userId="0dbf675c-9aa6-4933-9892-9db2f940254e" providerId="ADAL" clId="{E992C3D9-05D3-48A4-B5CF-68E8BDA5891D}" dt="2023-11-22T04:31:51.794" v="89" actId="255"/>
         <pc:sldMkLst>
           <pc:docMk/>
           <pc:sldMk cId="1018794165" sldId="256"/>
         </pc:sldMkLst>
+        <pc:spChg chg="add mod">
+          <ac:chgData name="西村　光太郎" userId="0dbf675c-9aa6-4933-9892-9db2f940254e" providerId="ADAL" clId="{E992C3D9-05D3-48A4-B5CF-68E8BDA5891D}" dt="2023-11-22T04:31:51.794" v="89" actId="255"/>
+          <ac:spMkLst>
+            <pc:docMk/>
+            <pc:sldMk cId="1018794165" sldId="256"/>
+            <ac:spMk id="2" creationId="{C9F7B29E-FDDA-E5DE-3383-5D8E9DD6275A}"/>
+          </ac:spMkLst>
+        </pc:spChg>
       </pc:sldChg>
       <pc:sldChg chg="addSp modSp new mod">
         <pc:chgData name="西村　光太郎" userId="0dbf675c-9aa6-4933-9892-9db2f940254e" providerId="ADAL" clId="{E992C3D9-05D3-48A4-B5CF-68E8BDA5891D}" dt="2023-11-20T01:15:07.070" v="30" actId="20577"/>
@@ -9688,6 +9696,42 @@
           <a:chExt cx="0" cy="0"/>
         </a:xfrm>
       </p:grpSpPr>
+      <p:sp>
+        <p:nvSpPr>
+          <p:cNvPr id="2" name="テキスト ボックス 1">
+            <a:extLst>
+              <a:ext uri="{FF2B5EF4-FFF2-40B4-BE49-F238E27FC236}">
+                <a16:creationId xmlns:a16="http://schemas.microsoft.com/office/drawing/2014/main" id="{C9F7B29E-FDDA-E5DE-3383-5D8E9DD6275A}"/>
+              </a:ext>
+            </a:extLst>
+          </p:cNvPr>
+          <p:cNvSpPr txBox="1"/>
+          <p:nvPr/>
+        </p:nvSpPr>
+        <p:spPr>
+          <a:xfrm>
+            <a:off x="3180521" y="2922104"/>
+            <a:ext cx="854765" cy="707886"/>
+          </a:xfrm>
+          <a:prstGeom prst="rect">
+            <a:avLst/>
+          </a:prstGeom>
+          <a:noFill/>
+        </p:spPr>
+        <p:txBody>
+          <a:bodyPr wrap="square" rtlCol="0">
+            <a:spAutoFit/>
+          </a:bodyPr>
+          <a:lstStyle/>
+          <a:p>
+            <a:r>
+              <a:rPr lang="ja-JP" altLang="en-US" sz="4000" dirty="0"/>
+              <a:t>。</a:t>
+            </a:r>
+            <a:endParaRPr kumimoji="1" lang="ja-JP" altLang="en-US" sz="4000" dirty="0"/>
+          </a:p>
+        </p:txBody>
+      </p:sp>
     </p:spTree>
     <p:extLst>
       <p:ext uri="{BB962C8B-B14F-4D97-AF65-F5344CB8AC3E}">
